--- a/predavanja/prezentacije/2020-21/01 - Koncepcija kursa.pptx
+++ b/predavanja/prezentacije/2020-21/01 - Koncepcija kursa.pptx
@@ -5,7 +5,7 @@
     <p:sldMasterId id="2147483750" r:id="rId1"/>
   </p:sldMasterIdLst>
   <p:notesMasterIdLst>
-    <p:notesMasterId r:id="rId9"/>
+    <p:notesMasterId r:id="rId8"/>
   </p:notesMasterIdLst>
   <p:sldIdLst>
     <p:sldId id="296" r:id="rId2"/>
@@ -14,7 +14,6 @@
     <p:sldId id="377" r:id="rId5"/>
     <p:sldId id="379" r:id="rId6"/>
     <p:sldId id="378" r:id="rId7"/>
-    <p:sldId id="375" r:id="rId8"/>
   </p:sldIdLst>
   <p:sldSz cx="9144000" cy="6858000" type="screen4x3"/>
   <p:notesSz cx="6858000" cy="9144000"/>
@@ -145,7 +144,7 @@
   </p:defaultTextStyle>
   <p:extLst>
     <p:ext uri="{EFAFB233-063F-42B5-8137-9DF3F51BA10A}">
-      <p15:sldGuideLst xmlns:p15="http://schemas.microsoft.com/office/powerpoint/2012/main">
+      <p15:sldGuideLst xmlns="" xmlns:p15="http://schemas.microsoft.com/office/powerpoint/2012/main">
         <p15:guide id="1" orient="horz" pos="2160">
           <p15:clr>
             <a:srgbClr val="A4A3A4"/>
@@ -244,7 +243,7 @@
           <a:p>
             <a:fld id="{6B3683FA-0560-4266-A2CA-8A7D404C35FD}" type="datetimeFigureOut">
               <a:rPr lang="en-US" smtClean="0"/>
-              <a:t>23-Jan-21</a:t>
+              <a:t>2/27/2021</a:t>
             </a:fld>
             <a:endParaRPr lang="en-US"/>
           </a:p>
@@ -2046,14 +2045,14 @@
               <a:t>/</a:t>
             </a:r>
             <a:r>
-              <a:rPr lang="sr-Cyrl-RS" sz="800" dirty="0" smtClean="0">
+              <a:rPr lang="sr-Cyrl-RS" sz="800" smtClean="0">
                 <a:solidFill>
                   <a:srgbClr val="6767FF"/>
                 </a:solidFill>
                 <a:latin typeface="Times New Roman" pitchFamily="18" charset="0"/>
                 <a:cs typeface="Arial" charset="0"/>
               </a:rPr>
-              <a:t>7</a:t>
+              <a:t>6</a:t>
             </a:r>
             <a:endParaRPr lang="en-US" sz="800" dirty="0" smtClean="0">
               <a:solidFill>
@@ -7091,7 +7090,7 @@
         <p:spPr bwMode="auto">
           <a:xfrm>
             <a:off x="304800" y="1435100"/>
-            <a:ext cx="8839200" cy="4401205"/>
+            <a:ext cx="8839200" cy="5416868"/>
           </a:xfrm>
           <a:prstGeom prst="rect">
             <a:avLst/>
@@ -7321,13 +7320,31 @@
               <a:buClrTx/>
             </a:pPr>
             <a:r>
+              <a:rPr lang="sr-Cyrl-RS" altLang="en-US" sz="2800" dirty="0">
+                <a:solidFill>
+                  <a:srgbClr val="000000"/>
+                </a:solidFill>
+                <a:latin typeface="+mn-lt"/>
+              </a:rPr>
+              <a:t>н</a:t>
+            </a:r>
+            <a:r>
+              <a:rPr lang="sr-Cyrl-RS" altLang="en-US" sz="2800" dirty="0" smtClean="0">
+                <a:solidFill>
+                  <a:srgbClr val="000000"/>
+                </a:solidFill>
+                <a:latin typeface="+mn-lt"/>
+              </a:rPr>
+              <a:t>ема их </a:t>
+            </a:r>
+            <a:r>
               <a:rPr lang="en-US" altLang="en-US" sz="2800" dirty="0" smtClean="0">
                 <a:solidFill>
                   <a:srgbClr val="000000"/>
                 </a:solidFill>
                 <a:latin typeface="+mn-lt"/>
               </a:rPr>
-              <a:t>15 </a:t>
+              <a:t>(</a:t>
             </a:r>
             <a:r>
               <a:rPr lang="sr-Cyrl-RS" altLang="en-US" sz="2800" dirty="0" smtClean="0">
@@ -7336,7 +7353,7 @@
                 </a:solidFill>
                 <a:latin typeface="+mn-lt"/>
               </a:rPr>
-              <a:t>Колоквијум</a:t>
+              <a:t>само ове године</a:t>
             </a:r>
             <a:r>
               <a:rPr lang="en-US" altLang="en-US" sz="2800" dirty="0" smtClean="0">
@@ -7345,42 +7362,7 @@
                 </a:solidFill>
                 <a:latin typeface="+mn-lt"/>
               </a:rPr>
-              <a:t> </a:t>
-            </a:r>
-            <a:r>
-              <a:rPr lang="en-US" altLang="en-US" sz="2800" dirty="0">
-                <a:solidFill>
-                  <a:srgbClr val="000000"/>
-                </a:solidFill>
-                <a:latin typeface="+mn-lt"/>
-              </a:rPr>
-              <a:t>(HTML + CSS)</a:t>
-            </a:r>
-          </a:p>
-          <a:p>
-            <a:pPr marL="457200" indent="-457200" eaLnBrk="1" hangingPunct="1">
-              <a:spcBef>
-                <a:spcPct val="50000"/>
-              </a:spcBef>
-              <a:buClrTx/>
-            </a:pPr>
-            <a:r>
-              <a:rPr lang="sr-Cyrl-RS" altLang="en-US" sz="2800" dirty="0" smtClean="0">
-                <a:solidFill>
-                  <a:srgbClr val="000000"/>
-                </a:solidFill>
-                <a:latin typeface="+mn-lt"/>
-              </a:rPr>
-              <a:t>Испит</a:t>
-            </a:r>
-            <a:r>
-              <a:rPr lang="en-US" altLang="en-US" sz="2800" dirty="0" smtClean="0">
-                <a:solidFill>
-                  <a:srgbClr val="000000"/>
-                </a:solidFill>
-                <a:latin typeface="+mn-lt"/>
-              </a:rPr>
-              <a:t>:</a:t>
+              <a:t>)</a:t>
             </a:r>
             <a:endParaRPr lang="en-US" altLang="en-US" sz="2800" dirty="0">
               <a:solidFill>
@@ -7390,20 +7372,20 @@
             </a:endParaRPr>
           </a:p>
           <a:p>
-            <a:pPr marL="1200150" lvl="1" indent="-457200" eaLnBrk="1" hangingPunct="1">
+            <a:pPr marL="457200" indent="-457200" eaLnBrk="1" hangingPunct="1">
               <a:spcBef>
                 <a:spcPct val="50000"/>
               </a:spcBef>
               <a:buClrTx/>
             </a:pPr>
             <a:r>
-              <a:rPr lang="en-US" altLang="en-US" sz="2800" dirty="0">
+              <a:rPr lang="sr-Cyrl-RS" altLang="en-US" sz="2800" dirty="0" smtClean="0">
                 <a:solidFill>
                   <a:srgbClr val="000000"/>
                 </a:solidFill>
                 <a:latin typeface="+mn-lt"/>
               </a:rPr>
-              <a:t>45 JavaScript, </a:t>
+              <a:t>Испит</a:t>
             </a:r>
             <a:r>
               <a:rPr lang="en-US" altLang="en-US" sz="2800" dirty="0" smtClean="0">
@@ -7412,16 +7394,30 @@
                 </a:solidFill>
                 <a:latin typeface="+mn-lt"/>
               </a:rPr>
-              <a:t>Node.js</a:t>
-            </a:r>
-            <a:r>
-              <a:rPr lang="en-US" altLang="en-US" sz="2800" dirty="0">
+              <a:t>:</a:t>
+            </a:r>
+            <a:endParaRPr lang="en-US" altLang="en-US" sz="2800" dirty="0">
+              <a:solidFill>
+                <a:srgbClr val="000000"/>
+              </a:solidFill>
+              <a:latin typeface="+mn-lt"/>
+            </a:endParaRPr>
+          </a:p>
+          <a:p>
+            <a:pPr marL="1200150" lvl="1" indent="-457200" eaLnBrk="1" hangingPunct="1">
+              <a:spcBef>
+                <a:spcPct val="50000"/>
+              </a:spcBef>
+              <a:buClrTx/>
+            </a:pPr>
+            <a:r>
+              <a:rPr lang="sr-Cyrl-RS" altLang="en-US" sz="2800" dirty="0">
                 <a:solidFill>
                   <a:srgbClr val="000000"/>
                 </a:solidFill>
                 <a:latin typeface="+mn-lt"/>
               </a:rPr>
-              <a:t>, </a:t>
+              <a:t>6</a:t>
             </a:r>
             <a:r>
               <a:rPr lang="en-US" altLang="en-US" sz="2800" dirty="0" smtClean="0">
@@ -7430,17 +7426,23 @@
                 </a:solidFill>
                 <a:latin typeface="+mn-lt"/>
               </a:rPr>
-              <a:t>MongoDB, </a:t>
-            </a:r>
-            <a:r>
-              <a:rPr lang="en-US" altLang="en-US" sz="2800" dirty="0" smtClean="0">
+              <a:t>5 </a:t>
+            </a:r>
+            <a:r>
+              <a:rPr lang="sr-Cyrl-RS" altLang="en-US" sz="2800" dirty="0" smtClean="0">
                 <a:solidFill>
                   <a:srgbClr val="000000"/>
                 </a:solidFill>
                 <a:latin typeface="+mn-lt"/>
               </a:rPr>
-              <a:t>AJAX</a:t>
-            </a:r>
+              <a:t>Писмени/практични део </a:t>
+            </a:r>
+            <a:endParaRPr lang="en-US" altLang="en-US" sz="2800" dirty="0" smtClean="0">
+              <a:solidFill>
+                <a:srgbClr val="000000"/>
+              </a:solidFill>
+              <a:latin typeface="+mn-lt"/>
+            </a:endParaRPr>
           </a:p>
           <a:p>
             <a:pPr lvl="1" indent="0" eaLnBrk="1" hangingPunct="1">
@@ -7449,6 +7451,94 @@
               </a:spcBef>
               <a:buClrTx/>
               <a:buNone/>
+            </a:pPr>
+            <a:r>
+              <a:rPr lang="sr-Cyrl-RS" altLang="en-US" sz="2800" dirty="0" smtClean="0">
+                <a:solidFill>
+                  <a:srgbClr val="000000"/>
+                </a:solidFill>
+                <a:latin typeface="+mn-lt"/>
+              </a:rPr>
+              <a:t>		праг за излазак на теоријски 25</a:t>
+            </a:r>
+            <a:endParaRPr lang="en-US" altLang="en-US" sz="2800" dirty="0">
+              <a:solidFill>
+                <a:srgbClr val="000000"/>
+              </a:solidFill>
+              <a:latin typeface="+mn-lt"/>
+            </a:endParaRPr>
+          </a:p>
+          <a:p>
+            <a:pPr marL="1200150" lvl="1" indent="-457200" eaLnBrk="1" hangingPunct="1">
+              <a:spcBef>
+                <a:spcPct val="50000"/>
+              </a:spcBef>
+              <a:buClrTx/>
+            </a:pPr>
+            <a:r>
+              <a:rPr lang="sr-Cyrl-RS" altLang="en-US" sz="2800" dirty="0" smtClean="0">
+                <a:solidFill>
+                  <a:srgbClr val="000000"/>
+                </a:solidFill>
+                <a:latin typeface="+mn-lt"/>
+              </a:rPr>
+              <a:t>35</a:t>
+            </a:r>
+            <a:r>
+              <a:rPr lang="en-US" altLang="en-US" sz="2800" dirty="0" smtClean="0">
+                <a:solidFill>
+                  <a:srgbClr val="000000"/>
+                </a:solidFill>
+                <a:latin typeface="+mn-lt"/>
+              </a:rPr>
+              <a:t> </a:t>
+            </a:r>
+            <a:r>
+              <a:rPr lang="sr-Cyrl-RS" altLang="en-US" sz="2800" dirty="0" smtClean="0">
+                <a:solidFill>
+                  <a:srgbClr val="000000"/>
+                </a:solidFill>
+                <a:latin typeface="+mn-lt"/>
+              </a:rPr>
+              <a:t>Теоријски део</a:t>
+            </a:r>
+          </a:p>
+          <a:p>
+            <a:pPr lvl="1" indent="0" eaLnBrk="1" hangingPunct="1">
+              <a:spcBef>
+                <a:spcPct val="50000"/>
+              </a:spcBef>
+              <a:buClrTx/>
+              <a:buNone/>
+            </a:pPr>
+            <a:r>
+              <a:rPr lang="sr-Cyrl-RS" altLang="en-US" sz="2800" dirty="0">
+                <a:solidFill>
+                  <a:srgbClr val="000000"/>
+                </a:solidFill>
+              </a:rPr>
+              <a:t>		</a:t>
+            </a:r>
+            <a:r>
+              <a:rPr lang="sr-Cyrl-RS" altLang="en-US" sz="2800" dirty="0" smtClean="0">
+                <a:solidFill>
+                  <a:srgbClr val="000000"/>
+                </a:solidFill>
+              </a:rPr>
+              <a:t>мора се показати одреени ниво знања</a:t>
+            </a:r>
+            <a:endParaRPr lang="en-US" altLang="en-US" sz="2800" dirty="0">
+              <a:solidFill>
+                <a:srgbClr val="000000"/>
+              </a:solidFill>
+            </a:endParaRPr>
+          </a:p>
+          <a:p>
+            <a:pPr marL="1200150" lvl="1" indent="-457200" eaLnBrk="1" hangingPunct="1">
+              <a:spcBef>
+                <a:spcPct val="50000"/>
+              </a:spcBef>
+              <a:buClrTx/>
             </a:pPr>
             <a:endParaRPr lang="en-US" altLang="en-US" sz="2800" dirty="0">
               <a:solidFill>
@@ -7458,54 +7548,14 @@
             </a:endParaRPr>
           </a:p>
           <a:p>
-            <a:pPr marL="1200150" lvl="1" indent="-457200" eaLnBrk="1" hangingPunct="1">
+            <a:pPr lvl="3" indent="0" eaLnBrk="1" hangingPunct="1">
               <a:spcBef>
                 <a:spcPct val="50000"/>
               </a:spcBef>
               <a:buClrTx/>
+              <a:buNone/>
             </a:pPr>
-            <a:r>
-              <a:rPr lang="en-US" altLang="en-US" sz="2800" dirty="0" smtClean="0">
-                <a:solidFill>
-                  <a:srgbClr val="000000"/>
-                </a:solidFill>
-                <a:latin typeface="+mn-lt"/>
-              </a:rPr>
-              <a:t>40 </a:t>
-            </a:r>
-            <a:r>
-              <a:rPr lang="sr-Cyrl-RS" altLang="en-US" sz="2800" dirty="0" smtClean="0">
-                <a:solidFill>
-                  <a:srgbClr val="000000"/>
-                </a:solidFill>
-                <a:latin typeface="+mn-lt"/>
-              </a:rPr>
-              <a:t>Теоријски </a:t>
-            </a:r>
-            <a:r>
-              <a:rPr lang="sr-Cyrl-RS" altLang="en-US" sz="2800" dirty="0" smtClean="0">
-                <a:solidFill>
-                  <a:srgbClr val="000000"/>
-                </a:solidFill>
-                <a:latin typeface="+mn-lt"/>
-              </a:rPr>
-              <a:t>део</a:t>
-            </a:r>
-            <a:endParaRPr lang="en-US" altLang="en-US" sz="2800" dirty="0">
-              <a:solidFill>
-                <a:srgbClr val="000000"/>
-              </a:solidFill>
-              <a:latin typeface="+mn-lt"/>
-            </a:endParaRPr>
-          </a:p>
-          <a:p>
-            <a:pPr marL="457200" indent="-457200" eaLnBrk="1" hangingPunct="1">
-              <a:spcBef>
-                <a:spcPct val="50000"/>
-              </a:spcBef>
-              <a:buClrTx/>
-            </a:pPr>
-            <a:endParaRPr lang="en-US" altLang="en-US" sz="2800" dirty="0">
+            <a:endParaRPr lang="en-US" altLang="en-US" sz="1600" dirty="0">
               <a:solidFill>
                 <a:srgbClr val="000000"/>
               </a:solidFill>
@@ -7804,7 +7854,7 @@
                                         <p:tgtEl>
                                           <p:spTgt spid="6150">
                                             <p:txEl>
-                                              <p:pRg st="5" end="5"/>
+                                              <p:pRg st="4" end="4"/>
                                             </p:txEl>
                                           </p:spTgt>
                                         </p:tgtEl>
@@ -7822,7 +7872,129 @@
                                         <p:tgtEl>
                                           <p:spTgt spid="6150">
                                             <p:txEl>
+                                              <p:pRg st="4" end="4"/>
+                                            </p:txEl>
+                                          </p:spTgt>
+                                        </p:tgtEl>
+                                      </p:cBhvr>
+                                    </p:animEffect>
+                                  </p:childTnLst>
+                                </p:cTn>
+                              </p:par>
+                            </p:childTnLst>
+                          </p:cTn>
+                        </p:par>
+                      </p:childTnLst>
+                    </p:cTn>
+                  </p:par>
+                  <p:par>
+                    <p:cTn id="28" fill="hold">
+                      <p:stCondLst>
+                        <p:cond delay="indefinite"/>
+                      </p:stCondLst>
+                      <p:childTnLst>
+                        <p:par>
+                          <p:cTn id="29" fill="hold">
+                            <p:stCondLst>
+                              <p:cond delay="0"/>
+                            </p:stCondLst>
+                            <p:childTnLst>
+                              <p:par>
+                                <p:cTn id="30" presetID="3" presetClass="entr" presetSubtype="10" fill="hold" nodeType="clickEffect">
+                                  <p:stCondLst>
+                                    <p:cond delay="0"/>
+                                  </p:stCondLst>
+                                  <p:childTnLst>
+                                    <p:set>
+                                      <p:cBhvr>
+                                        <p:cTn id="31" dur="1" fill="hold">
+                                          <p:stCondLst>
+                                            <p:cond delay="0"/>
+                                          </p:stCondLst>
+                                        </p:cTn>
+                                        <p:tgtEl>
+                                          <p:spTgt spid="6150">
+                                            <p:txEl>
                                               <p:pRg st="5" end="5"/>
+                                            </p:txEl>
+                                          </p:spTgt>
+                                        </p:tgtEl>
+                                        <p:attrNameLst>
+                                          <p:attrName>style.visibility</p:attrName>
+                                        </p:attrNameLst>
+                                      </p:cBhvr>
+                                      <p:to>
+                                        <p:strVal val="visible"/>
+                                      </p:to>
+                                    </p:set>
+                                    <p:animEffect transition="in" filter="blinds(horizontal)">
+                                      <p:cBhvr>
+                                        <p:cTn id="32" dur="500"/>
+                                        <p:tgtEl>
+                                          <p:spTgt spid="6150">
+                                            <p:txEl>
+                                              <p:pRg st="5" end="5"/>
+                                            </p:txEl>
+                                          </p:spTgt>
+                                        </p:tgtEl>
+                                      </p:cBhvr>
+                                    </p:animEffect>
+                                  </p:childTnLst>
+                                </p:cTn>
+                              </p:par>
+                            </p:childTnLst>
+                          </p:cTn>
+                        </p:par>
+                      </p:childTnLst>
+                    </p:cTn>
+                  </p:par>
+                  <p:par>
+                    <p:cTn id="33" fill="hold">
+                      <p:stCondLst>
+                        <p:cond delay="indefinite"/>
+                      </p:stCondLst>
+                      <p:childTnLst>
+                        <p:par>
+                          <p:cTn id="34" fill="hold">
+                            <p:stCondLst>
+                              <p:cond delay="0"/>
+                            </p:stCondLst>
+                            <p:childTnLst>
+                              <p:par>
+                                <p:cTn id="35" presetID="3" presetClass="entr" presetSubtype="10" fill="hold" nodeType="clickEffect">
+                                  <p:stCondLst>
+                                    <p:cond delay="0"/>
+                                  </p:stCondLst>
+                                  <p:childTnLst>
+                                    <p:set>
+                                      <p:cBhvr>
+                                        <p:cTn id="36" dur="1" fill="hold">
+                                          <p:stCondLst>
+                                            <p:cond delay="0"/>
+                                          </p:stCondLst>
+                                        </p:cTn>
+                                        <p:tgtEl>
+                                          <p:spTgt spid="6150">
+                                            <p:txEl>
+                                              <p:pRg st="6" end="6"/>
+                                            </p:txEl>
+                                          </p:spTgt>
+                                        </p:tgtEl>
+                                        <p:attrNameLst>
+                                          <p:attrName>style.visibility</p:attrName>
+                                        </p:attrNameLst>
+                                      </p:cBhvr>
+                                      <p:to>
+                                        <p:strVal val="visible"/>
+                                      </p:to>
+                                    </p:set>
+                                    <p:animEffect transition="in" filter="blinds(horizontal)">
+                                      <p:cBhvr>
+                                        <p:cTn id="37" dur="500"/>
+                                        <p:tgtEl>
+                                          <p:spTgt spid="6150">
+                                            <p:txEl>
+                                              <p:pRg st="6" end="6"/>
                                             </p:txEl>
                                           </p:spTgt>
                                         </p:tgtEl>
@@ -7927,7 +8099,7 @@
         <p:spPr bwMode="auto">
           <a:xfrm>
             <a:off x="304800" y="1556792"/>
-            <a:ext cx="8610600" cy="4462760"/>
+            <a:ext cx="8610600" cy="5743111"/>
           </a:xfrm>
           <a:prstGeom prst="rect">
             <a:avLst/>
@@ -8535,7 +8707,7 @@
               <a:defRPr/>
             </a:pPr>
             <a:r>
-              <a:rPr lang="en-US" sz="2000" dirty="0">
+              <a:rPr lang="sr-Latn-RS" sz="2000" dirty="0" smtClean="0">
                 <a:solidFill>
                   <a:srgbClr val="CCCCFF">
                     <a:lumMod val="25000"/>
@@ -8543,10 +8715,10 @@
                 </a:solidFill>
                 <a:latin typeface="+mn-lt"/>
               </a:rPr>
-              <a:t>jQuery </a:t>
-            </a:r>
-            <a:r>
-              <a:rPr lang="en-US" sz="2000" dirty="0" smtClean="0">
+              <a:t>NoSQL</a:t>
+            </a:r>
+            <a:r>
+              <a:rPr lang="sr-Cyrl-RS" sz="2000" dirty="0" smtClean="0">
                 <a:solidFill>
                   <a:srgbClr val="CCCCFF">
                     <a:lumMod val="25000"/>
@@ -8554,10 +8726,10 @@
                 </a:solidFill>
                 <a:latin typeface="+mn-lt"/>
               </a:rPr>
-              <a:t>Cookbook</a:t>
-            </a:r>
-            <a:r>
-              <a:rPr lang="sr-Cyrl-RS" sz="2000" dirty="0" smtClean="0">
+              <a:t> </a:t>
+            </a:r>
+            <a:r>
+              <a:rPr lang="sr-Latn-RS" sz="2000" dirty="0" smtClean="0">
                 <a:solidFill>
                   <a:srgbClr val="CCCCFF">
                     <a:lumMod val="25000"/>
@@ -8565,10 +8737,10 @@
                 </a:solidFill>
                 <a:latin typeface="+mn-lt"/>
               </a:rPr>
-              <a:t>, </a:t>
-            </a:r>
-            <a:r>
-              <a:rPr lang="sr-Cyrl-RS" sz="2000" dirty="0">
+              <a:t>for Mere</a:t>
+            </a:r>
+            <a:r>
+              <a:rPr lang="sr-Cyrl-RS" sz="2000" dirty="0" smtClean="0">
                 <a:solidFill>
                   <a:srgbClr val="CCCCFF">
                     <a:lumMod val="25000"/>
@@ -8576,10 +8748,10 @@
                 </a:solidFill>
                 <a:latin typeface="+mn-lt"/>
               </a:rPr>
-              <a:t>аутори </a:t>
-            </a:r>
-            <a:r>
-              <a:rPr lang="en-US" sz="2000" dirty="0">
+              <a:t> </a:t>
+            </a:r>
+            <a:r>
+              <a:rPr lang="sr-Latn-RS" sz="2000" dirty="0" err="1" smtClean="0">
                 <a:solidFill>
                   <a:srgbClr val="CCCCFF">
                     <a:lumMod val="25000"/>
@@ -8587,10 +8759,10 @@
                 </a:solidFill>
                 <a:latin typeface="+mn-lt"/>
               </a:rPr>
-              <a:t>Jonathan </a:t>
-            </a:r>
-            <a:r>
-              <a:rPr lang="en-US" sz="2000" dirty="0" smtClean="0">
+              <a:t>Mortals</a:t>
+            </a:r>
+            <a:r>
+              <a:rPr lang="sr-Cyrl-RS" sz="2000" dirty="0">
                 <a:solidFill>
                   <a:srgbClr val="CCCCFF">
                     <a:lumMod val="25000"/>
@@ -8598,7 +8770,7 @@
                 </a:solidFill>
                 <a:latin typeface="+mn-lt"/>
               </a:rPr>
-              <a:t>Sharp</a:t>
+              <a:t>, </a:t>
             </a:r>
             <a:r>
               <a:rPr lang="sr-Cyrl-RS" sz="2000" dirty="0" smtClean="0">
@@ -8609,10 +8781,10 @@
                 </a:solidFill>
                 <a:latin typeface="+mn-lt"/>
               </a:rPr>
-              <a:t>, </a:t>
-            </a:r>
-            <a:r>
-              <a:rPr lang="en-US" sz="2000" dirty="0">
+              <a:t>аутор </a:t>
+            </a:r>
+            <a:r>
+              <a:rPr lang="en-US" sz="2000" dirty="0" smtClean="0">
                 <a:solidFill>
                   <a:srgbClr val="CCCCFF">
                     <a:lumMod val="25000"/>
@@ -8620,10 +8792,10 @@
                 </a:solidFill>
                 <a:latin typeface="+mn-lt"/>
               </a:rPr>
-              <a:t>Rob </a:t>
-            </a:r>
-            <a:r>
-              <a:rPr lang="en-US" sz="2000" dirty="0" smtClean="0">
+              <a:t>Dan Sullivan, </a:t>
+            </a:r>
+            <a:r>
+              <a:rPr lang="sr-Cyrl-RS" sz="2000" dirty="0" smtClean="0">
                 <a:solidFill>
                   <a:srgbClr val="CCCCFF">
                     <a:lumMod val="25000"/>
@@ -8631,10 +8803,10 @@
                 </a:solidFill>
                 <a:latin typeface="+mn-lt"/>
               </a:rPr>
-              <a:t>Burns</a:t>
-            </a:r>
-            <a:r>
-              <a:rPr lang="sr-Cyrl-RS" sz="2000" dirty="0" smtClean="0">
+              <a:t>издавач </a:t>
+            </a:r>
+            <a:r>
+              <a:rPr lang="en-US" sz="2000" dirty="0" smtClean="0">
                 <a:solidFill>
                   <a:srgbClr val="CCCCFF">
                     <a:lumMod val="25000"/>
@@ -8642,10 +8814,10 @@
                 </a:solidFill>
                 <a:latin typeface="+mn-lt"/>
               </a:rPr>
-              <a:t>, </a:t>
-            </a:r>
-            <a:r>
-              <a:rPr lang="en-US" sz="2000" dirty="0">
+              <a:t>Addison-Wesley, 201</a:t>
+            </a:r>
+            <a:r>
+              <a:rPr lang="sr-Cyrl-RS" sz="2000" dirty="0" smtClean="0">
                 <a:solidFill>
                   <a:srgbClr val="CCCCFF">
                     <a:lumMod val="25000"/>
@@ -8653,7 +8825,7 @@
                 </a:solidFill>
                 <a:latin typeface="+mn-lt"/>
               </a:rPr>
-              <a:t>Rebecca </a:t>
+              <a:t>5</a:t>
             </a:r>
             <a:r>
               <a:rPr lang="en-US" sz="2000" dirty="0" smtClean="0">
@@ -8664,73 +8836,7 @@
                 </a:solidFill>
                 <a:latin typeface="+mn-lt"/>
               </a:rPr>
-              <a:t>Murphey</a:t>
-            </a:r>
-            <a:r>
-              <a:rPr lang="sr-Cyrl-RS" sz="2000" dirty="0" smtClean="0">
-                <a:solidFill>
-                  <a:srgbClr val="CCCCFF">
-                    <a:lumMod val="25000"/>
-                  </a:srgbClr>
-                </a:solidFill>
-                <a:latin typeface="+mn-lt"/>
-              </a:rPr>
-              <a:t>, и др, </a:t>
-            </a:r>
-            <a:r>
-              <a:rPr lang="sr-Cyrl-RS" sz="2000" dirty="0">
-                <a:solidFill>
-                  <a:srgbClr val="CCCCFF">
-                    <a:lumMod val="25000"/>
-                  </a:srgbClr>
-                </a:solidFill>
-                <a:latin typeface="+mn-lt"/>
-              </a:rPr>
-              <a:t>издавач </a:t>
-            </a:r>
-            <a:r>
-              <a:rPr lang="en-US" sz="2000" dirty="0">
-                <a:solidFill>
-                  <a:srgbClr val="CCCCFF">
-                    <a:lumMod val="25000"/>
-                  </a:srgbClr>
-                </a:solidFill>
-                <a:latin typeface="+mn-lt"/>
-              </a:rPr>
-              <a:t>O’Reilly, </a:t>
-            </a:r>
-            <a:r>
-              <a:rPr lang="en-US" sz="2000" dirty="0" smtClean="0">
-                <a:solidFill>
-                  <a:srgbClr val="CCCCFF">
-                    <a:lumMod val="25000"/>
-                  </a:srgbClr>
-                </a:solidFill>
-                <a:latin typeface="+mn-lt"/>
-              </a:rPr>
-              <a:t>20</a:t>
-            </a:r>
-            <a:r>
-              <a:rPr lang="sr-Cyrl-RS" sz="2000" dirty="0" smtClean="0">
-                <a:solidFill>
-                  <a:srgbClr val="CCCCFF">
-                    <a:lumMod val="25000"/>
-                  </a:srgbClr>
-                </a:solidFill>
-                <a:latin typeface="+mn-lt"/>
-              </a:rPr>
-              <a:t>10</a:t>
-            </a:r>
-            <a:r>
-              <a:rPr lang="en-US" sz="2000" dirty="0" smtClean="0">
-                <a:solidFill>
-                  <a:srgbClr val="CCCCFF">
-                    <a:lumMod val="25000"/>
-                  </a:srgbClr>
-                </a:solidFill>
-                <a:latin typeface="+mn-lt"/>
-              </a:rPr>
-              <a:t>.</a:t>
+              <a:t>. </a:t>
             </a:r>
             <a:endParaRPr lang="sr-Cyrl-RS" sz="2000" dirty="0" smtClean="0">
               <a:solidFill>
@@ -8751,7 +8857,7 @@
               <a:defRPr/>
             </a:pPr>
             <a:r>
-              <a:rPr lang="sr-Latn-RS" sz="2000" dirty="0" err="1" smtClean="0">
+              <a:rPr lang="sr-Cyrl-RS" sz="2000" dirty="0" smtClean="0">
                 <a:solidFill>
                   <a:srgbClr val="CCCCFF">
                     <a:lumMod val="25000"/>
@@ -8759,130 +8865,103 @@
                 </a:solidFill>
                 <a:latin typeface="+mn-lt"/>
               </a:rPr>
-              <a:t>NoSQL</a:t>
-            </a:r>
-            <a:r>
-              <a:rPr lang="sr-Cyrl-RS" sz="2000" dirty="0" smtClean="0">
+              <a:t>Ресурси доступни на вебу</a:t>
+            </a:r>
+          </a:p>
+          <a:p>
+            <a:pPr marL="514350" indent="-514350" eaLnBrk="0" hangingPunct="0">
+              <a:spcBef>
+                <a:spcPct val="20000"/>
+              </a:spcBef>
+              <a:buFont typeface="Times YU" pitchFamily="18" charset="0"/>
+              <a:buAutoNum type="arabicPeriod"/>
+              <a:defRPr/>
+            </a:pPr>
+            <a:endParaRPr lang="sr-Cyrl-RS" sz="2000" dirty="0">
+              <a:solidFill>
+                <a:srgbClr val="CCCCFF">
+                  <a:lumMod val="25000"/>
+                </a:srgbClr>
+              </a:solidFill>
+              <a:latin typeface="+mn-lt"/>
+            </a:endParaRPr>
+          </a:p>
+          <a:p>
+            <a:pPr lvl="0" eaLnBrk="0" hangingPunct="0">
+              <a:spcBef>
+                <a:spcPct val="20000"/>
+              </a:spcBef>
+              <a:defRPr/>
+            </a:pPr>
+            <a:r>
+              <a:rPr lang="sr-Cyrl-RS" sz="2000" dirty="0">
                 <a:solidFill>
                   <a:srgbClr val="CCCCFF">
                     <a:lumMod val="25000"/>
                   </a:srgbClr>
                 </a:solidFill>
-                <a:latin typeface="+mn-lt"/>
-              </a:rPr>
-              <a:t> </a:t>
-            </a:r>
-            <a:r>
-              <a:rPr lang="sr-Latn-RS" sz="2000" dirty="0" smtClean="0">
+                <a:latin typeface="Arial"/>
+              </a:rPr>
+              <a:t>Веб презентација курса УВИТ: </a:t>
+            </a:r>
+            <a:r>
+              <a:rPr lang="sr-Latn-RS" sz="2000" dirty="0">
                 <a:solidFill>
                   <a:srgbClr val="CCCCFF">
                     <a:lumMod val="25000"/>
                   </a:srgbClr>
                 </a:solidFill>
-                <a:latin typeface="+mn-lt"/>
-              </a:rPr>
-              <a:t>for Mere</a:t>
-            </a:r>
-            <a:r>
-              <a:rPr lang="sr-Cyrl-RS" sz="2000" dirty="0" smtClean="0">
+                <a:latin typeface="Arial"/>
+                <a:hlinkClick r:id="rId2"/>
+              </a:rPr>
+              <a:t>https://matfuvit.github.io/UVIT/</a:t>
+            </a:r>
+            <a:r>
+              <a:rPr lang="sr-Cyrl-RS" sz="2000" dirty="0">
                 <a:solidFill>
                   <a:srgbClr val="CCCCFF">
                     <a:lumMod val="25000"/>
                   </a:srgbClr>
                 </a:solidFill>
-                <a:latin typeface="+mn-lt"/>
+                <a:latin typeface="Arial"/>
               </a:rPr>
               <a:t> </a:t>
             </a:r>
-            <a:r>
-              <a:rPr lang="sr-Latn-RS" sz="2000" dirty="0" err="1" smtClean="0">
-                <a:solidFill>
-                  <a:srgbClr val="CCCCFF">
-                    <a:lumMod val="25000"/>
-                  </a:srgbClr>
-                </a:solidFill>
-                <a:latin typeface="+mn-lt"/>
-              </a:rPr>
-              <a:t>Mortals</a:t>
-            </a:r>
-            <a:r>
-              <a:rPr lang="sr-Cyrl-RS" sz="2000" dirty="0">
-                <a:solidFill>
-                  <a:srgbClr val="CCCCFF">
-                    <a:lumMod val="25000"/>
-                  </a:srgbClr>
-                </a:solidFill>
-                <a:latin typeface="+mn-lt"/>
-              </a:rPr>
-              <a:t>, </a:t>
-            </a:r>
-            <a:r>
-              <a:rPr lang="sr-Cyrl-RS" sz="2000" dirty="0" smtClean="0">
-                <a:solidFill>
-                  <a:srgbClr val="CCCCFF">
-                    <a:lumMod val="25000"/>
-                  </a:srgbClr>
-                </a:solidFill>
-                <a:latin typeface="+mn-lt"/>
-              </a:rPr>
-              <a:t>аутор </a:t>
-            </a:r>
-            <a:r>
-              <a:rPr lang="en-US" sz="2000" dirty="0" smtClean="0">
-                <a:solidFill>
-                  <a:srgbClr val="CCCCFF">
-                    <a:lumMod val="25000"/>
-                  </a:srgbClr>
-                </a:solidFill>
-                <a:latin typeface="+mn-lt"/>
-              </a:rPr>
-              <a:t>Dan Sullivan, </a:t>
-            </a:r>
-            <a:r>
-              <a:rPr lang="sr-Cyrl-RS" sz="2000" dirty="0" smtClean="0">
-                <a:solidFill>
-                  <a:srgbClr val="CCCCFF">
-                    <a:lumMod val="25000"/>
-                  </a:srgbClr>
-                </a:solidFill>
-                <a:latin typeface="+mn-lt"/>
-              </a:rPr>
-              <a:t>издавач </a:t>
-            </a:r>
-            <a:r>
-              <a:rPr lang="en-US" sz="2000" dirty="0" smtClean="0">
-                <a:solidFill>
-                  <a:srgbClr val="CCCCFF">
-                    <a:lumMod val="25000"/>
-                  </a:srgbClr>
-                </a:solidFill>
-                <a:latin typeface="+mn-lt"/>
-              </a:rPr>
-              <a:t>Addison-Wesley, 201</a:t>
-            </a:r>
-            <a:r>
-              <a:rPr lang="sr-Cyrl-RS" sz="2000" dirty="0" smtClean="0">
-                <a:solidFill>
-                  <a:srgbClr val="CCCCFF">
-                    <a:lumMod val="25000"/>
-                  </a:srgbClr>
-                </a:solidFill>
-                <a:latin typeface="+mn-lt"/>
-              </a:rPr>
-              <a:t>5</a:t>
-            </a:r>
-            <a:r>
-              <a:rPr lang="en-US" sz="2000" dirty="0" smtClean="0">
-                <a:solidFill>
-                  <a:srgbClr val="CCCCFF">
-                    <a:lumMod val="25000"/>
-                  </a:srgbClr>
-                </a:solidFill>
-                <a:latin typeface="+mn-lt"/>
-              </a:rPr>
-              <a:t>. </a:t>
-            </a:r>
-            <a:endParaRPr lang="sr-Cyrl-RS" sz="2000" dirty="0" smtClean="0">
+            <a:endParaRPr lang="ru-RU" dirty="0">
+              <a:solidFill>
+                <a:srgbClr val="CCCCFF">
+                  <a:lumMod val="25000"/>
+                </a:srgbClr>
+              </a:solidFill>
+              <a:latin typeface="Arial"/>
+            </a:endParaRPr>
+          </a:p>
+          <a:p>
+            <a:pPr marL="514350" lvl="0" indent="-514350" eaLnBrk="0" hangingPunct="0">
+              <a:spcBef>
+                <a:spcPct val="20000"/>
+              </a:spcBef>
+              <a:buFont typeface="Times YU" pitchFamily="18" charset="0"/>
+              <a:buAutoNum type="arabicPeriod" startAt="8"/>
+              <a:defRPr/>
+            </a:pPr>
+            <a:endParaRPr lang="sr-Cyrl-RS" sz="2600" dirty="0">
+              <a:solidFill>
+                <a:srgbClr val="CCCCFF">
+                  <a:lumMod val="25000"/>
+                </a:srgbClr>
+              </a:solidFill>
+              <a:latin typeface="Garamond" pitchFamily="18" charset="0"/>
+            </a:endParaRPr>
+          </a:p>
+          <a:p>
+            <a:pPr eaLnBrk="0" hangingPunct="0">
+              <a:spcBef>
+                <a:spcPct val="20000"/>
+              </a:spcBef>
+              <a:defRPr/>
+            </a:pPr>
+            <a:endParaRPr lang="sr-Cyrl-RS" sz="2000" b="1" dirty="0" smtClean="0">
               <a:solidFill>
                 <a:srgbClr val="CCCCFF">
                   <a:lumMod val="25000"/>
@@ -9174,15 +9253,33 @@
                                   </p:childTnLst>
                                 </p:cTn>
                               </p:par>
+                            </p:childTnLst>
+                          </p:cTn>
+                        </p:par>
+                      </p:childTnLst>
+                    </p:cTn>
+                  </p:par>
+                  <p:par>
+                    <p:cTn id="24" fill="hold">
+                      <p:stCondLst>
+                        <p:cond delay="indefinite"/>
+                      </p:stCondLst>
+                      <p:childTnLst>
+                        <p:par>
+                          <p:cTn id="25" fill="hold">
+                            <p:stCondLst>
+                              <p:cond delay="0"/>
+                            </p:stCondLst>
+                            <p:childTnLst>
                               <p:par>
-                                <p:cTn id="24" presetID="10" presetClass="entr" presetSubtype="0" fill="hold" nodeType="withEffect">
+                                <p:cTn id="26" presetID="10" presetClass="entr" presetSubtype="0" fill="hold" nodeType="clickEffect">
                                   <p:stCondLst>
                                     <p:cond delay="0"/>
                                   </p:stCondLst>
                                   <p:childTnLst>
                                     <p:set>
                                       <p:cBhvr>
-                                        <p:cTn id="25" dur="1" fill="hold">
+                                        <p:cTn id="27" dur="1" fill="hold">
                                           <p:stCondLst>
                                             <p:cond delay="0"/>
                                           </p:stCondLst>
@@ -9204,7 +9301,7 @@
                                     </p:set>
                                     <p:animEffect transition="in" filter="fade">
                                       <p:cBhvr>
-                                        <p:cTn id="26" dur="500"/>
+                                        <p:cTn id="28" dur="500"/>
                                         <p:tgtEl>
                                           <p:spTgt spid="8197">
                                             <p:txEl>
@@ -9224,26 +9321,26 @@
                     </p:cTn>
                   </p:par>
                   <p:par>
-                    <p:cTn id="27" fill="hold">
+                    <p:cTn id="29" fill="hold">
                       <p:stCondLst>
                         <p:cond delay="indefinite"/>
                       </p:stCondLst>
                       <p:childTnLst>
                         <p:par>
-                          <p:cTn id="28" fill="hold">
+                          <p:cTn id="30" fill="hold">
                             <p:stCondLst>
                               <p:cond delay="0"/>
                             </p:stCondLst>
                             <p:childTnLst>
                               <p:par>
-                                <p:cTn id="29" presetID="10" presetClass="entr" presetSubtype="0" fill="hold" nodeType="clickEffect">
+                                <p:cTn id="31" presetID="10" presetClass="entr" presetSubtype="0" fill="hold" nodeType="clickEffect">
                                   <p:stCondLst>
                                     <p:cond delay="0"/>
                                   </p:stCondLst>
                                   <p:childTnLst>
                                     <p:set>
                                       <p:cBhvr>
-                                        <p:cTn id="30" dur="1" fill="hold">
+                                        <p:cTn id="32" dur="1" fill="hold">
                                           <p:stCondLst>
                                             <p:cond delay="0"/>
                                           </p:stCondLst>
@@ -9265,7 +9362,7 @@
                                     </p:set>
                                     <p:animEffect transition="in" filter="fade">
                                       <p:cBhvr>
-                                        <p:cTn id="31" dur="500"/>
+                                        <p:cTn id="33" dur="500"/>
                                         <p:tgtEl>
                                           <p:spTgt spid="8197">
                                             <p:txEl>
@@ -9284,656 +9381,27 @@
                       </p:childTnLst>
                     </p:cTn>
                   </p:par>
-                </p:childTnLst>
-              </p:cTn>
-              <p:prevCondLst>
-                <p:cond evt="onPrev" delay="0">
-                  <p:tgtEl>
-                    <p:sldTgt/>
-                  </p:tgtEl>
-                </p:cond>
-              </p:prevCondLst>
-              <p:nextCondLst>
-                <p:cond evt="onNext" delay="0">
-                  <p:tgtEl>
-                    <p:sldTgt/>
-                  </p:tgtEl>
-                </p:cond>
-              </p:nextCondLst>
-            </p:seq>
-          </p:childTnLst>
-        </p:cTn>
-      </p:par>
-    </p:tnLst>
-  </p:timing>
-</p:sld>
-</file>
-
-<file path=ppt/slides/slide7.xml><?xml version="1.0" encoding="utf-8"?>
-<p:sld xmlns:a="http://schemas.openxmlformats.org/drawingml/2006/main" xmlns:r="http://schemas.openxmlformats.org/officeDocument/2006/relationships" xmlns:p="http://schemas.openxmlformats.org/presentationml/2006/main">
-  <p:cSld>
-    <p:spTree>
-      <p:nvGrpSpPr>
-        <p:cNvPr id="1" name=""/>
-        <p:cNvGrpSpPr/>
-        <p:nvPr/>
-      </p:nvGrpSpPr>
-      <p:grpSpPr>
-        <a:xfrm>
-          <a:off x="0" y="0"/>
-          <a:ext cx="0" cy="0"/>
-          <a:chOff x="0" y="0"/>
-          <a:chExt cx="0" cy="0"/>
-        </a:xfrm>
-      </p:grpSpPr>
-      <p:sp>
-        <p:nvSpPr>
-          <p:cNvPr id="14338" name="Rectangle 2"/>
-          <p:cNvSpPr>
-            <a:spLocks noGrp="1" noChangeArrowheads="1"/>
-          </p:cNvSpPr>
-          <p:nvPr>
-            <p:ph type="title"/>
-          </p:nvPr>
-        </p:nvSpPr>
-        <p:spPr>
-          <a:xfrm>
-            <a:off x="1763713" y="427038"/>
-            <a:ext cx="5832475" cy="914400"/>
-          </a:xfrm>
-        </p:spPr>
-        <p:txBody>
-          <a:bodyPr/>
-          <a:lstStyle/>
-          <a:p>
-            <a:pPr eaLnBrk="1" hangingPunct="1"/>
-            <a:r>
-              <a:rPr lang="sr-Cyrl-RS" altLang="en-US" dirty="0" smtClean="0">
-                <a:solidFill>
-                  <a:srgbClr val="3366FF"/>
-                </a:solidFill>
-              </a:rPr>
-              <a:t>Литература</a:t>
-            </a:r>
-            <a:r>
-              <a:rPr lang="en-US" altLang="en-US" dirty="0" smtClean="0">
-                <a:solidFill>
-                  <a:srgbClr val="3366FF"/>
-                </a:solidFill>
-              </a:rPr>
-              <a:t> (2)</a:t>
-            </a:r>
-            <a:endParaRPr lang="sr-Latn-CS" altLang="en-US" dirty="0" smtClean="0">
-              <a:solidFill>
-                <a:srgbClr val="3366FF"/>
-              </a:solidFill>
-            </a:endParaRPr>
-          </a:p>
-        </p:txBody>
-      </p:sp>
-      <p:sp>
-        <p:nvSpPr>
-          <p:cNvPr id="8197" name="Text Box 3"/>
-          <p:cNvSpPr txBox="1">
-            <a:spLocks noChangeArrowheads="1"/>
-          </p:cNvSpPr>
-          <p:nvPr/>
-        </p:nvSpPr>
-        <p:spPr bwMode="auto">
-          <a:xfrm>
-            <a:off x="304800" y="1556792"/>
-            <a:ext cx="8610600" cy="3945696"/>
-          </a:xfrm>
-          <a:prstGeom prst="rect">
-            <a:avLst/>
-          </a:prstGeom>
-          <a:noFill/>
-          <a:ln w="9525">
-            <a:noFill/>
-            <a:miter lim="800000"/>
-            <a:headEnd/>
-            <a:tailEnd/>
-          </a:ln>
-        </p:spPr>
-        <p:txBody>
-          <a:bodyPr>
-            <a:spAutoFit/>
-          </a:bodyPr>
-          <a:lstStyle/>
-          <a:p>
-            <a:pPr marL="514350" indent="-514350" eaLnBrk="0" hangingPunct="0">
-              <a:spcBef>
-                <a:spcPct val="20000"/>
-              </a:spcBef>
-              <a:buFont typeface="Times YU" pitchFamily="18" charset="0"/>
-              <a:buAutoNum type="arabicPeriod" startAt="8"/>
-              <a:defRPr/>
-            </a:pPr>
-            <a:r>
-              <a:rPr lang="ru-RU" sz="2000" dirty="0" smtClean="0">
-                <a:solidFill>
-                  <a:srgbClr val="CCCCFF">
-                    <a:lumMod val="25000"/>
-                  </a:srgbClr>
-                </a:solidFill>
-                <a:latin typeface="+mn-lt"/>
-              </a:rPr>
-              <a:t>Веб сајт </a:t>
-            </a:r>
-            <a:r>
-              <a:rPr lang="ru-RU" sz="2000" dirty="0">
-                <a:solidFill>
-                  <a:srgbClr val="CCCCFF">
-                    <a:lumMod val="25000"/>
-                  </a:srgbClr>
-                </a:solidFill>
-                <a:latin typeface="+mn-lt"/>
-              </a:rPr>
-              <a:t>„W3Schools“, на </a:t>
-            </a:r>
-            <a:r>
-              <a:rPr lang="ru-RU" sz="2000" dirty="0" smtClean="0">
-                <a:solidFill>
-                  <a:srgbClr val="CCCCFF">
-                    <a:lumMod val="25000"/>
-                  </a:srgbClr>
-                </a:solidFill>
-                <a:latin typeface="+mn-lt"/>
-              </a:rPr>
-              <a:t>адреси </a:t>
-            </a:r>
-            <a:r>
-              <a:rPr lang="ru-RU" sz="2000" dirty="0" smtClean="0">
-                <a:solidFill>
-                  <a:srgbClr val="CCCCFF">
-                    <a:lumMod val="25000"/>
-                  </a:srgbClr>
-                </a:solidFill>
-                <a:latin typeface="+mn-lt"/>
-                <a:hlinkClick r:id="rId2"/>
-              </a:rPr>
-              <a:t>http</a:t>
-            </a:r>
-            <a:r>
-              <a:rPr lang="ru-RU" sz="2000" dirty="0">
-                <a:solidFill>
-                  <a:srgbClr val="CCCCFF">
-                    <a:lumMod val="25000"/>
-                  </a:srgbClr>
-                </a:solidFill>
-                <a:latin typeface="+mn-lt"/>
-                <a:hlinkClick r:id="rId2"/>
-              </a:rPr>
-              <a:t>://</a:t>
-            </a:r>
-            <a:r>
-              <a:rPr lang="ru-RU" sz="2000" dirty="0" smtClean="0">
-                <a:solidFill>
-                  <a:srgbClr val="CCCCFF">
-                    <a:lumMod val="25000"/>
-                  </a:srgbClr>
-                </a:solidFill>
-                <a:latin typeface="+mn-lt"/>
-                <a:hlinkClick r:id="rId2"/>
-              </a:rPr>
-              <a:t>www.w3schools.com</a:t>
-            </a:r>
-            <a:r>
-              <a:rPr lang="ru-RU" sz="2000" dirty="0" smtClean="0">
-                <a:solidFill>
-                  <a:srgbClr val="CCCCFF">
-                    <a:lumMod val="25000"/>
-                  </a:srgbClr>
-                </a:solidFill>
-                <a:latin typeface="+mn-lt"/>
-              </a:rPr>
-              <a:t> </a:t>
-            </a:r>
-            <a:endParaRPr lang="en-US" sz="2000" dirty="0" smtClean="0">
-              <a:solidFill>
-                <a:srgbClr val="CCCCFF">
-                  <a:lumMod val="25000"/>
-                </a:srgbClr>
-              </a:solidFill>
-              <a:latin typeface="+mn-lt"/>
-            </a:endParaRPr>
-          </a:p>
-          <a:p>
-            <a:pPr marL="514350" indent="-514350" eaLnBrk="0" hangingPunct="0">
-              <a:spcBef>
-                <a:spcPct val="20000"/>
-              </a:spcBef>
-              <a:buFont typeface="Times YU" pitchFamily="18" charset="0"/>
-              <a:buAutoNum type="arabicPeriod" startAt="8"/>
-              <a:defRPr/>
-            </a:pPr>
-            <a:r>
-              <a:rPr lang="ru-RU" sz="2000" dirty="0">
-                <a:solidFill>
-                  <a:srgbClr val="CCCCFF">
-                    <a:lumMod val="25000"/>
-                  </a:srgbClr>
-                </a:solidFill>
-                <a:latin typeface="+mn-lt"/>
-              </a:rPr>
-              <a:t>Веб </a:t>
-            </a:r>
-            <a:r>
-              <a:rPr lang="ru-RU" sz="2000" dirty="0" err="1">
-                <a:solidFill>
-                  <a:srgbClr val="CCCCFF">
-                    <a:lumMod val="25000"/>
-                  </a:srgbClr>
-                </a:solidFill>
-                <a:latin typeface="+mn-lt"/>
-              </a:rPr>
-              <a:t>сајт</a:t>
-            </a:r>
-            <a:r>
-              <a:rPr lang="ru-RU" sz="2000" dirty="0">
-                <a:solidFill>
-                  <a:srgbClr val="CCCCFF">
-                    <a:lumMod val="25000"/>
-                  </a:srgbClr>
-                </a:solidFill>
-                <a:latin typeface="+mn-lt"/>
-              </a:rPr>
-              <a:t> </a:t>
-            </a:r>
-            <a:r>
-              <a:rPr lang="ru-RU" sz="2000" dirty="0" smtClean="0">
-                <a:solidFill>
-                  <a:srgbClr val="CCCCFF">
-                    <a:lumMod val="25000"/>
-                  </a:srgbClr>
-                </a:solidFill>
-                <a:latin typeface="+mn-lt"/>
-              </a:rPr>
-              <a:t>„</a:t>
-            </a:r>
-            <a:r>
-              <a:rPr lang="en-US" sz="2000" dirty="0" err="1" smtClean="0">
-                <a:solidFill>
-                  <a:srgbClr val="CCCCFF">
-                    <a:lumMod val="25000"/>
-                  </a:srgbClr>
-                </a:solidFill>
-                <a:latin typeface="+mn-lt"/>
-              </a:rPr>
-              <a:t>TutorialsPoint</a:t>
-            </a:r>
-            <a:r>
-              <a:rPr lang="ru-RU" sz="2000" dirty="0" smtClean="0">
-                <a:solidFill>
-                  <a:srgbClr val="CCCCFF">
-                    <a:lumMod val="25000"/>
-                  </a:srgbClr>
-                </a:solidFill>
-                <a:latin typeface="+mn-lt"/>
-              </a:rPr>
-              <a:t>“, </a:t>
-            </a:r>
-            <a:r>
-              <a:rPr lang="ru-RU" sz="2000" dirty="0">
-                <a:solidFill>
-                  <a:srgbClr val="CCCCFF">
-                    <a:lumMod val="25000"/>
-                  </a:srgbClr>
-                </a:solidFill>
-                <a:latin typeface="+mn-lt"/>
-              </a:rPr>
-              <a:t>на </a:t>
-            </a:r>
-            <a:r>
-              <a:rPr lang="ru-RU" sz="2000" dirty="0" err="1">
-                <a:solidFill>
-                  <a:srgbClr val="CCCCFF">
-                    <a:lumMod val="25000"/>
-                  </a:srgbClr>
-                </a:solidFill>
-                <a:latin typeface="+mn-lt"/>
-              </a:rPr>
-              <a:t>адреси</a:t>
-            </a:r>
-            <a:r>
-              <a:rPr lang="ru-RU" sz="2000" dirty="0">
-                <a:solidFill>
-                  <a:srgbClr val="CCCCFF">
-                    <a:lumMod val="25000"/>
-                  </a:srgbClr>
-                </a:solidFill>
-                <a:latin typeface="+mn-lt"/>
-              </a:rPr>
-              <a:t> </a:t>
-            </a:r>
-            <a:r>
-              <a:rPr lang="sr-Latn-RS" sz="2000" dirty="0">
-                <a:solidFill>
-                  <a:srgbClr val="CCCCFF">
-                    <a:lumMod val="25000"/>
-                  </a:srgbClr>
-                </a:solidFill>
-                <a:latin typeface="+mn-lt"/>
-                <a:hlinkClick r:id="rId3"/>
-              </a:rPr>
-              <a:t>https://www.tutorialspoint.com</a:t>
-            </a:r>
-            <a:r>
-              <a:rPr lang="sr-Latn-RS" sz="2000" dirty="0" smtClean="0">
-                <a:solidFill>
-                  <a:srgbClr val="CCCCFF">
-                    <a:lumMod val="25000"/>
-                  </a:srgbClr>
-                </a:solidFill>
-                <a:latin typeface="+mn-lt"/>
-                <a:hlinkClick r:id="rId3"/>
-              </a:rPr>
-              <a:t>/</a:t>
-            </a:r>
-            <a:r>
-              <a:rPr lang="en-US" sz="2000" dirty="0" smtClean="0">
-                <a:solidFill>
-                  <a:srgbClr val="CCCCFF">
-                    <a:lumMod val="25000"/>
-                  </a:srgbClr>
-                </a:solidFill>
-                <a:latin typeface="+mn-lt"/>
-              </a:rPr>
-              <a:t> </a:t>
-            </a:r>
-            <a:r>
-              <a:rPr lang="ru-RU" sz="2000" dirty="0" smtClean="0">
-                <a:solidFill>
-                  <a:srgbClr val="CCCCFF">
-                    <a:lumMod val="25000"/>
-                  </a:srgbClr>
-                </a:solidFill>
-                <a:latin typeface="+mn-lt"/>
-              </a:rPr>
-              <a:t> </a:t>
-            </a:r>
-            <a:endParaRPr lang="en-US" sz="2000" dirty="0" smtClean="0">
-              <a:solidFill>
-                <a:srgbClr val="CCCCFF">
-                  <a:lumMod val="25000"/>
-                </a:srgbClr>
-              </a:solidFill>
-              <a:latin typeface="+mn-lt"/>
-            </a:endParaRPr>
-          </a:p>
-          <a:p>
-            <a:pPr marL="514350" indent="-514350" eaLnBrk="0" hangingPunct="0">
-              <a:spcBef>
-                <a:spcPct val="20000"/>
-              </a:spcBef>
-              <a:buFont typeface="Times YU" pitchFamily="18" charset="0"/>
-              <a:buAutoNum type="arabicPeriod" startAt="8"/>
-              <a:defRPr/>
-            </a:pPr>
-            <a:r>
-              <a:rPr lang="sr-Cyrl-RS" sz="2000" dirty="0" smtClean="0">
-                <a:solidFill>
-                  <a:srgbClr val="CCCCFF">
-                    <a:lumMod val="25000"/>
-                  </a:srgbClr>
-                </a:solidFill>
-                <a:latin typeface="+mn-lt"/>
-              </a:rPr>
-              <a:t>Остали ресурси </a:t>
-            </a:r>
-            <a:r>
-              <a:rPr lang="sr-Cyrl-RS" sz="2000" dirty="0">
-                <a:solidFill>
-                  <a:srgbClr val="CCCCFF">
-                    <a:lumMod val="25000"/>
-                  </a:srgbClr>
-                </a:solidFill>
-                <a:latin typeface="+mn-lt"/>
-              </a:rPr>
-              <a:t>на </a:t>
-            </a:r>
-            <a:r>
-              <a:rPr lang="sr-Cyrl-RS" sz="2000" dirty="0" smtClean="0">
-                <a:solidFill>
-                  <a:srgbClr val="CCCCFF">
-                    <a:lumMod val="25000"/>
-                  </a:srgbClr>
-                </a:solidFill>
-                <a:latin typeface="+mn-lt"/>
-              </a:rPr>
-              <a:t>вебу  </a:t>
-            </a:r>
-            <a:r>
-              <a:rPr lang="ru-RU" sz="2000" dirty="0" smtClean="0">
-                <a:solidFill>
-                  <a:srgbClr val="CCCCFF">
-                    <a:lumMod val="25000"/>
-                  </a:srgbClr>
-                </a:solidFill>
-                <a:latin typeface="+mn-lt"/>
-              </a:rPr>
-              <a:t> </a:t>
-            </a:r>
-            <a:endParaRPr lang="en-US" sz="2000" dirty="0" smtClean="0">
-              <a:solidFill>
-                <a:srgbClr val="CCCCFF">
-                  <a:lumMod val="25000"/>
-                </a:srgbClr>
-              </a:solidFill>
-              <a:latin typeface="+mn-lt"/>
-            </a:endParaRPr>
-          </a:p>
-          <a:p>
-            <a:pPr marL="514350" indent="-514350" eaLnBrk="0" hangingPunct="0">
-              <a:spcBef>
-                <a:spcPct val="20000"/>
-              </a:spcBef>
-              <a:buFont typeface="Times YU" pitchFamily="18" charset="0"/>
-              <a:buAutoNum type="arabicPeriod" startAt="8"/>
-              <a:defRPr/>
-            </a:pPr>
-            <a:endParaRPr lang="sr-Cyrl-RS" sz="2000" dirty="0" smtClean="0">
-              <a:solidFill>
-                <a:srgbClr val="CCCCFF">
-                  <a:lumMod val="25000"/>
-                </a:srgbClr>
-              </a:solidFill>
-              <a:latin typeface="+mn-lt"/>
-            </a:endParaRPr>
-          </a:p>
-          <a:p>
-            <a:pPr marL="514350" indent="-514350" eaLnBrk="0" hangingPunct="0">
-              <a:spcBef>
-                <a:spcPct val="20000"/>
-              </a:spcBef>
-              <a:buFont typeface="Times YU" pitchFamily="18" charset="0"/>
-              <a:buAutoNum type="arabicPeriod" startAt="8"/>
-              <a:defRPr/>
-            </a:pPr>
-            <a:endParaRPr lang="sr-Cyrl-RS" sz="2000" dirty="0">
-              <a:solidFill>
-                <a:srgbClr val="CCCCFF">
-                  <a:lumMod val="25000"/>
-                </a:srgbClr>
-              </a:solidFill>
-              <a:latin typeface="+mn-lt"/>
-            </a:endParaRPr>
-          </a:p>
-          <a:p>
-            <a:pPr marL="514350" indent="-514350" eaLnBrk="0" hangingPunct="0">
-              <a:spcBef>
-                <a:spcPct val="20000"/>
-              </a:spcBef>
-              <a:buFont typeface="Times YU" pitchFamily="18" charset="0"/>
-              <a:buAutoNum type="arabicPeriod" startAt="8"/>
-              <a:defRPr/>
-            </a:pPr>
-            <a:endParaRPr lang="sr-Cyrl-RS" sz="2000" dirty="0" smtClean="0">
-              <a:solidFill>
-                <a:srgbClr val="CCCCFF">
-                  <a:lumMod val="25000"/>
-                </a:srgbClr>
-              </a:solidFill>
-              <a:latin typeface="+mn-lt"/>
-            </a:endParaRPr>
-          </a:p>
-          <a:p>
-            <a:pPr marL="514350" indent="-514350" eaLnBrk="0" hangingPunct="0">
-              <a:spcBef>
-                <a:spcPct val="20000"/>
-              </a:spcBef>
-              <a:buFont typeface="Times YU" pitchFamily="18" charset="0"/>
-              <a:buAutoNum type="arabicPeriod" startAt="8"/>
-              <a:defRPr/>
-            </a:pPr>
-            <a:endParaRPr lang="en-US" sz="2000" dirty="0">
-              <a:solidFill>
-                <a:srgbClr val="CCCCFF">
-                  <a:lumMod val="25000"/>
-                </a:srgbClr>
-              </a:solidFill>
-              <a:latin typeface="+mn-lt"/>
-            </a:endParaRPr>
-          </a:p>
-          <a:p>
-            <a:pPr eaLnBrk="0" hangingPunct="0">
-              <a:spcBef>
-                <a:spcPct val="20000"/>
-              </a:spcBef>
-              <a:defRPr/>
-            </a:pPr>
-            <a:r>
-              <a:rPr lang="sr-Cyrl-RS" sz="2000" dirty="0" smtClean="0">
-                <a:solidFill>
-                  <a:srgbClr val="CCCCFF">
-                    <a:lumMod val="25000"/>
-                  </a:srgbClr>
-                </a:solidFill>
-                <a:latin typeface="+mn-lt"/>
-              </a:rPr>
-              <a:t>Веб презентација курса УВИТ: </a:t>
-            </a:r>
-            <a:r>
-              <a:rPr lang="sr-Latn-RS" sz="2000" dirty="0">
-                <a:solidFill>
-                  <a:srgbClr val="CCCCFF">
-                    <a:lumMod val="25000"/>
-                  </a:srgbClr>
-                </a:solidFill>
-                <a:latin typeface="+mn-lt"/>
-                <a:hlinkClick r:id="rId4"/>
-              </a:rPr>
-              <a:t>https://matfuvit.github.io/UVIT</a:t>
-            </a:r>
-            <a:r>
-              <a:rPr lang="sr-Latn-RS" sz="2000" dirty="0" smtClean="0">
-                <a:solidFill>
-                  <a:srgbClr val="CCCCFF">
-                    <a:lumMod val="25000"/>
-                  </a:srgbClr>
-                </a:solidFill>
-                <a:latin typeface="+mn-lt"/>
-                <a:hlinkClick r:id="rId4"/>
-              </a:rPr>
-              <a:t>/</a:t>
-            </a:r>
-            <a:r>
-              <a:rPr lang="sr-Cyrl-RS" sz="2000" dirty="0" smtClean="0">
-                <a:solidFill>
-                  <a:srgbClr val="CCCCFF">
-                    <a:lumMod val="25000"/>
-                  </a:srgbClr>
-                </a:solidFill>
-                <a:latin typeface="+mn-lt"/>
-              </a:rPr>
-              <a:t> </a:t>
-            </a:r>
-            <a:endParaRPr lang="ru-RU" dirty="0">
-              <a:solidFill>
-                <a:srgbClr val="CCCCFF">
-                  <a:lumMod val="25000"/>
-                </a:srgbClr>
-              </a:solidFill>
-              <a:latin typeface="+mn-lt"/>
-            </a:endParaRPr>
-          </a:p>
-          <a:p>
-            <a:pPr marL="514350" indent="-514350" eaLnBrk="0" hangingPunct="0">
-              <a:spcBef>
-                <a:spcPct val="20000"/>
-              </a:spcBef>
-              <a:buFont typeface="Times YU" pitchFamily="18" charset="0"/>
-              <a:buAutoNum type="arabicPeriod" startAt="8"/>
-              <a:defRPr/>
-            </a:pPr>
-            <a:endParaRPr lang="sr-Cyrl-RS" sz="2600" dirty="0" smtClean="0">
-              <a:solidFill>
-                <a:srgbClr val="CCCCFF">
-                  <a:lumMod val="25000"/>
-                </a:srgbClr>
-              </a:solidFill>
-              <a:latin typeface="Garamond" pitchFamily="18" charset="0"/>
-            </a:endParaRPr>
-          </a:p>
-          <a:p>
-            <a:pPr marL="514350" indent="-514350" eaLnBrk="0" hangingPunct="0">
-              <a:spcBef>
-                <a:spcPct val="20000"/>
-              </a:spcBef>
-              <a:buFont typeface="Times YU" pitchFamily="18" charset="0"/>
-              <a:buAutoNum type="arabicPeriod" startAt="8"/>
-              <a:defRPr/>
-            </a:pPr>
-            <a:endParaRPr kumimoji="1" lang="sr-Latn-CS" sz="2600" dirty="0">
-              <a:solidFill>
-                <a:srgbClr val="CCCCFF">
-                  <a:lumMod val="25000"/>
-                </a:srgbClr>
-              </a:solidFill>
-              <a:latin typeface="Garamond" pitchFamily="18" charset="0"/>
-            </a:endParaRPr>
-          </a:p>
-        </p:txBody>
-      </p:sp>
-    </p:spTree>
-    <p:extLst>
-      <p:ext uri="{BB962C8B-B14F-4D97-AF65-F5344CB8AC3E}">
-        <p14:creationId xmlns:p14="http://schemas.microsoft.com/office/powerpoint/2010/main" val="2649039118"/>
-      </p:ext>
-    </p:extLst>
-  </p:cSld>
-  <p:clrMapOvr>
-    <a:masterClrMapping/>
-  </p:clrMapOvr>
-  <p:timing>
-    <p:tnLst>
-      <p:par>
-        <p:cTn id="1" dur="indefinite" restart="never" nodeType="tmRoot">
-          <p:childTnLst>
-            <p:seq concurrent="1" nextAc="seek">
-              <p:cTn id="2" dur="indefinite" nodeType="mainSeq">
-                <p:childTnLst>
                   <p:par>
-                    <p:cTn id="3" fill="hold">
+                    <p:cTn id="34" fill="hold">
                       <p:stCondLst>
                         <p:cond delay="indefinite"/>
                       </p:stCondLst>
                       <p:childTnLst>
                         <p:par>
-                          <p:cTn id="4" fill="hold">
+                          <p:cTn id="35" fill="hold">
                             <p:stCondLst>
                               <p:cond delay="0"/>
                             </p:stCondLst>
                             <p:childTnLst>
                               <p:par>
-                                <p:cTn id="5" presetID="10" presetClass="entr" presetSubtype="0" fill="hold" nodeType="clickEffect">
+                                <p:cTn id="36" presetID="10" presetClass="entr" presetSubtype="0" fill="hold" nodeType="clickEffect">
                                   <p:stCondLst>
                                     <p:cond delay="0"/>
                                   </p:stCondLst>
                                   <p:childTnLst>
                                     <p:set>
                                       <p:cBhvr>
-                                        <p:cTn id="6" dur="1" fill="hold">
+                                        <p:cTn id="37" dur="1" fill="hold">
                                           <p:stCondLst>
                                             <p:cond delay="0"/>
                                           </p:stCondLst>
@@ -9941,7 +9409,7 @@
                                         <p:tgtEl>
                                           <p:spTgt spid="8197">
                                             <p:txEl>
-                                              <p:pRg st="0" end="0"/>
+                                              <p:pRg st="8" end="8"/>
                                             </p:txEl>
                                           </p:spTgt>
                                         </p:tgtEl>
@@ -9955,158 +9423,11 @@
                                     </p:set>
                                     <p:animEffect transition="in" filter="fade">
                                       <p:cBhvr>
-                                        <p:cTn id="7" dur="500"/>
+                                        <p:cTn id="38" dur="500"/>
                                         <p:tgtEl>
                                           <p:spTgt spid="8197">
                                             <p:txEl>
-                                              <p:pRg st="0" end="0"/>
-                                            </p:txEl>
-                                          </p:spTgt>
-                                        </p:tgtEl>
-                                      </p:cBhvr>
-                                    </p:animEffect>
-                                  </p:childTnLst>
-                                </p:cTn>
-                              </p:par>
-                              <p:par>
-                                <p:cTn id="8" presetID="10" presetClass="entr" presetSubtype="0" fill="hold" nodeType="withEffect">
-                                  <p:stCondLst>
-                                    <p:cond delay="0"/>
-                                  </p:stCondLst>
-                                  <p:childTnLst>
-                                    <p:set>
-                                      <p:cBhvr>
-                                        <p:cTn id="9" dur="1" fill="hold">
-                                          <p:stCondLst>
-                                            <p:cond delay="0"/>
-                                          </p:stCondLst>
-                                        </p:cTn>
-                                        <p:tgtEl>
-                                          <p:spTgt spid="8197">
-                                            <p:txEl>
-                                              <p:pRg st="1" end="1"/>
-                                            </p:txEl>
-                                          </p:spTgt>
-                                        </p:tgtEl>
-                                        <p:attrNameLst>
-                                          <p:attrName>style.visibility</p:attrName>
-                                        </p:attrNameLst>
-                                      </p:cBhvr>
-                                      <p:to>
-                                        <p:strVal val="visible"/>
-                                      </p:to>
-                                    </p:set>
-                                    <p:animEffect transition="in" filter="fade">
-                                      <p:cBhvr>
-                                        <p:cTn id="10" dur="500"/>
-                                        <p:tgtEl>
-                                          <p:spTgt spid="8197">
-                                            <p:txEl>
-                                              <p:pRg st="1" end="1"/>
-                                            </p:txEl>
-                                          </p:spTgt>
-                                        </p:tgtEl>
-                                      </p:cBhvr>
-                                    </p:animEffect>
-                                  </p:childTnLst>
-                                </p:cTn>
-                              </p:par>
-                              <p:par>
-                                <p:cTn id="11" presetID="10" presetClass="entr" presetSubtype="0" fill="hold" nodeType="withEffect">
-                                  <p:stCondLst>
-                                    <p:cond delay="0"/>
-                                  </p:stCondLst>
-                                  <p:childTnLst>
-                                    <p:set>
-                                      <p:cBhvr>
-                                        <p:cTn id="12" dur="1" fill="hold">
-                                          <p:stCondLst>
-                                            <p:cond delay="0"/>
-                                          </p:stCondLst>
-                                        </p:cTn>
-                                        <p:tgtEl>
-                                          <p:spTgt spid="8197">
-                                            <p:txEl>
-                                              <p:pRg st="2" end="2"/>
-                                            </p:txEl>
-                                          </p:spTgt>
-                                        </p:tgtEl>
-                                        <p:attrNameLst>
-                                          <p:attrName>style.visibility</p:attrName>
-                                        </p:attrNameLst>
-                                      </p:cBhvr>
-                                      <p:to>
-                                        <p:strVal val="visible"/>
-                                      </p:to>
-                                    </p:set>
-                                    <p:animEffect transition="in" filter="fade">
-                                      <p:cBhvr>
-                                        <p:cTn id="13" dur="500"/>
-                                        <p:tgtEl>
-                                          <p:spTgt spid="8197">
-                                            <p:txEl>
-                                              <p:pRg st="2" end="2"/>
-                                            </p:txEl>
-                                          </p:spTgt>
-                                        </p:tgtEl>
-                                      </p:cBhvr>
-                                    </p:animEffect>
-                                  </p:childTnLst>
-                                </p:cTn>
-                              </p:par>
-                            </p:childTnLst>
-                          </p:cTn>
-                        </p:par>
-                      </p:childTnLst>
-                    </p:cTn>
-                  </p:par>
-                  <p:par>
-                    <p:cTn id="14" fill="hold">
-                      <p:stCondLst>
-                        <p:cond delay="indefinite"/>
-                      </p:stCondLst>
-                      <p:childTnLst>
-                        <p:par>
-                          <p:cTn id="15" fill="hold">
-                            <p:stCondLst>
-                              <p:cond delay="0"/>
-                            </p:stCondLst>
-                            <p:childTnLst>
-                              <p:par>
-                                <p:cTn id="16" presetID="10" presetClass="entr" presetSubtype="0" fill="hold" nodeType="clickEffect">
-                                  <p:stCondLst>
-                                    <p:cond delay="0"/>
-                                  </p:stCondLst>
-                                  <p:childTnLst>
-                                    <p:set>
-                                      <p:cBhvr>
-                                        <p:cTn id="17" dur="1" fill="hold">
-                                          <p:stCondLst>
-                                            <p:cond delay="0"/>
-                                          </p:stCondLst>
-                                        </p:cTn>
-                                        <p:tgtEl>
-                                          <p:spTgt spid="8197">
-                                            <p:txEl>
-                                              <p:pRg st="7" end="7"/>
-                                            </p:txEl>
-                                          </p:spTgt>
-                                        </p:tgtEl>
-                                        <p:attrNameLst>
-                                          <p:attrName>style.visibility</p:attrName>
-                                        </p:attrNameLst>
-                                      </p:cBhvr>
-                                      <p:to>
-                                        <p:strVal val="visible"/>
-                                      </p:to>
-                                    </p:set>
-                                    <p:animEffect transition="in" filter="fade">
-                                      <p:cBhvr>
-                                        <p:cTn id="18" dur="500"/>
-                                        <p:tgtEl>
-                                          <p:spTgt spid="8197">
-                                            <p:txEl>
-                                              <p:pRg st="7" end="7"/>
+                                              <p:pRg st="8" end="8"/>
                                             </p:txEl>
                                           </p:spTgt>
                                         </p:tgtEl>
